--- a/Phaser Presentation.pptx
+++ b/Phaser Presentation.pptx
@@ -117,6 +117,43 @@
 </p:presentation>
 </file>
 
+<file path=ppt/changesInfos/changesInfo1.xml><?xml version="1.0" encoding="utf-8"?>
+<pc:chgInfo xmlns:a="http://schemas.openxmlformats.org/drawingml/2006/main" xmlns:r="http://schemas.openxmlformats.org/officeDocument/2006/relationships" xmlns:ac="http://schemas.microsoft.com/office/drawing/2013/main/command" xmlns:pc="http://schemas.microsoft.com/office/powerpoint/2013/main/command">
+  <pc:docChgLst>
+    <pc:chgData name="Pijnappel, Jelmer" userId="e4a3378c-c971-48f1-8cb8-8b89871ab05a" providerId="ADAL" clId="{91167446-91E4-4924-A972-40124F485375}"/>
+    <pc:docChg chg="modSld">
+      <pc:chgData name="Pijnappel, Jelmer" userId="e4a3378c-c971-48f1-8cb8-8b89871ab05a" providerId="ADAL" clId="{91167446-91E4-4924-A972-40124F485375}" dt="2019-04-26T11:33:26.748" v="1"/>
+      <pc:docMkLst>
+        <pc:docMk/>
+      </pc:docMkLst>
+      <pc:sldChg chg="addSp">
+        <pc:chgData name="Pijnappel, Jelmer" userId="e4a3378c-c971-48f1-8cb8-8b89871ab05a" providerId="ADAL" clId="{91167446-91E4-4924-A972-40124F485375}" dt="2019-04-26T11:33:26.748" v="1"/>
+        <pc:sldMkLst>
+          <pc:docMk/>
+          <pc:sldMk cId="1882428660" sldId="262"/>
+        </pc:sldMkLst>
+        <pc:picChg chg="add">
+          <ac:chgData name="Pijnappel, Jelmer" userId="e4a3378c-c971-48f1-8cb8-8b89871ab05a" providerId="ADAL" clId="{91167446-91E4-4924-A972-40124F485375}" dt="2019-04-26T11:33:26.748" v="1"/>
+          <ac:picMkLst>
+            <pc:docMk/>
+            <pc:sldMk cId="1882428660" sldId="262"/>
+            <ac:picMk id="4" creationId="{55045857-A9AF-4ADE-B2A9-C5DCF4785855}"/>
+          </ac:picMkLst>
+        </pc:picChg>
+        <pc:picChg chg="add">
+          <ac:chgData name="Pijnappel, Jelmer" userId="e4a3378c-c971-48f1-8cb8-8b89871ab05a" providerId="ADAL" clId="{91167446-91E4-4924-A972-40124F485375}" dt="2019-04-26T11:31:07.095" v="0"/>
+          <ac:picMkLst>
+            <pc:docMk/>
+            <pc:sldMk cId="1882428660" sldId="262"/>
+            <ac:picMk id="1026" creationId="{588B3429-5526-49A3-BB5B-D216973723D3}"/>
+          </ac:picMkLst>
+        </pc:picChg>
+      </pc:sldChg>
+    </pc:docChg>
+  </pc:docChgLst>
+</pc:chgInfo>
+</file>
+
 <file path=ppt/slideLayouts/slideLayout1.xml><?xml version="1.0" encoding="utf-8"?>
 <p:sldLayout xmlns:a="http://schemas.openxmlformats.org/drawingml/2006/main" xmlns:r="http://schemas.openxmlformats.org/officeDocument/2006/relationships" xmlns:p="http://schemas.openxmlformats.org/presentationml/2006/main" type="title" preserve="1">
   <p:cSld name="Titeldia">
@@ -264,7 +301,7 @@
           <a:p>
             <a:fld id="{5764D5F2-4DE9-41A1-BC6A-B96133FC18D5}" type="datetimeFigureOut">
               <a:rPr lang="nl-NL" smtClean="0"/>
-              <a:t>5-4-2019</a:t>
+              <a:t>26-4-2019</a:t>
             </a:fld>
             <a:endParaRPr lang="nl-NL"/>
           </a:p>
@@ -462,7 +499,7 @@
           <a:p>
             <a:fld id="{5764D5F2-4DE9-41A1-BC6A-B96133FC18D5}" type="datetimeFigureOut">
               <a:rPr lang="nl-NL" smtClean="0"/>
-              <a:t>5-4-2019</a:t>
+              <a:t>26-4-2019</a:t>
             </a:fld>
             <a:endParaRPr lang="nl-NL"/>
           </a:p>
@@ -670,7 +707,7 @@
           <a:p>
             <a:fld id="{5764D5F2-4DE9-41A1-BC6A-B96133FC18D5}" type="datetimeFigureOut">
               <a:rPr lang="nl-NL" smtClean="0"/>
-              <a:t>5-4-2019</a:t>
+              <a:t>26-4-2019</a:t>
             </a:fld>
             <a:endParaRPr lang="nl-NL"/>
           </a:p>
@@ -868,7 +905,7 @@
           <a:p>
             <a:fld id="{5764D5F2-4DE9-41A1-BC6A-B96133FC18D5}" type="datetimeFigureOut">
               <a:rPr lang="nl-NL" smtClean="0"/>
-              <a:t>5-4-2019</a:t>
+              <a:t>26-4-2019</a:t>
             </a:fld>
             <a:endParaRPr lang="nl-NL"/>
           </a:p>
@@ -1143,7 +1180,7 @@
           <a:p>
             <a:fld id="{5764D5F2-4DE9-41A1-BC6A-B96133FC18D5}" type="datetimeFigureOut">
               <a:rPr lang="nl-NL" smtClean="0"/>
-              <a:t>5-4-2019</a:t>
+              <a:t>26-4-2019</a:t>
             </a:fld>
             <a:endParaRPr lang="nl-NL"/>
           </a:p>
@@ -1408,7 +1445,7 @@
           <a:p>
             <a:fld id="{5764D5F2-4DE9-41A1-BC6A-B96133FC18D5}" type="datetimeFigureOut">
               <a:rPr lang="nl-NL" smtClean="0"/>
-              <a:t>5-4-2019</a:t>
+              <a:t>26-4-2019</a:t>
             </a:fld>
             <a:endParaRPr lang="nl-NL"/>
           </a:p>
@@ -1820,7 +1857,7 @@
           <a:p>
             <a:fld id="{5764D5F2-4DE9-41A1-BC6A-B96133FC18D5}" type="datetimeFigureOut">
               <a:rPr lang="nl-NL" smtClean="0"/>
-              <a:t>5-4-2019</a:t>
+              <a:t>26-4-2019</a:t>
             </a:fld>
             <a:endParaRPr lang="nl-NL"/>
           </a:p>
@@ -1961,7 +1998,7 @@
           <a:p>
             <a:fld id="{5764D5F2-4DE9-41A1-BC6A-B96133FC18D5}" type="datetimeFigureOut">
               <a:rPr lang="nl-NL" smtClean="0"/>
-              <a:t>5-4-2019</a:t>
+              <a:t>26-4-2019</a:t>
             </a:fld>
             <a:endParaRPr lang="nl-NL"/>
           </a:p>
@@ -2074,7 +2111,7 @@
           <a:p>
             <a:fld id="{5764D5F2-4DE9-41A1-BC6A-B96133FC18D5}" type="datetimeFigureOut">
               <a:rPr lang="nl-NL" smtClean="0"/>
-              <a:t>5-4-2019</a:t>
+              <a:t>26-4-2019</a:t>
             </a:fld>
             <a:endParaRPr lang="nl-NL"/>
           </a:p>
@@ -2385,7 +2422,7 @@
           <a:p>
             <a:fld id="{5764D5F2-4DE9-41A1-BC6A-B96133FC18D5}" type="datetimeFigureOut">
               <a:rPr lang="nl-NL" smtClean="0"/>
-              <a:t>5-4-2019</a:t>
+              <a:t>26-4-2019</a:t>
             </a:fld>
             <a:endParaRPr lang="nl-NL"/>
           </a:p>
@@ -2673,7 +2710,7 @@
           <a:p>
             <a:fld id="{5764D5F2-4DE9-41A1-BC6A-B96133FC18D5}" type="datetimeFigureOut">
               <a:rPr lang="nl-NL" smtClean="0"/>
-              <a:t>5-4-2019</a:t>
+              <a:t>26-4-2019</a:t>
             </a:fld>
             <a:endParaRPr lang="nl-NL"/>
           </a:p>
@@ -2914,7 +2951,7 @@
           <a:p>
             <a:fld id="{5764D5F2-4DE9-41A1-BC6A-B96133FC18D5}" type="datetimeFigureOut">
               <a:rPr lang="nl-NL" smtClean="0"/>
-              <a:t>5-4-2019</a:t>
+              <a:t>26-4-2019</a:t>
             </a:fld>
             <a:endParaRPr lang="nl-NL"/>
           </a:p>
@@ -5393,15 +5430,165 @@
             <p:ph idx="1"/>
           </p:nvPr>
         </p:nvSpPr>
-        <p:spPr/>
+        <p:spPr>
+          <a:xfrm>
+            <a:off x="838200" y="1825625"/>
+            <a:ext cx="10515600" cy="4351338"/>
+          </a:xfrm>
+        </p:spPr>
         <p:txBody>
           <a:bodyPr/>
           <a:lstStyle/>
           <a:p>
+            <a:r>
+              <a:rPr lang="nl-NL" dirty="0"/>
+              <a:t>A </a:t>
+            </a:r>
+            <a:r>
+              <a:rPr lang="nl-NL" dirty="0" err="1"/>
+              <a:t>simple</a:t>
+            </a:r>
+            <a:r>
+              <a:rPr lang="nl-NL" dirty="0"/>
+              <a:t> game of </a:t>
+            </a:r>
+            <a:r>
+              <a:rPr lang="nl-NL" dirty="0" err="1"/>
+              <a:t>Pong</a:t>
+            </a:r>
             <a:endParaRPr lang="nl-NL" dirty="0"/>
           </a:p>
-        </p:txBody>
-      </p:sp>
+          <a:p>
+            <a:pPr marL="0" indent="0">
+              <a:buNone/>
+            </a:pPr>
+            <a:endParaRPr lang="nl-NL" dirty="0"/>
+          </a:p>
+          <a:p>
+            <a:pPr marL="0" indent="0">
+              <a:buNone/>
+            </a:pPr>
+            <a:r>
+              <a:rPr lang="nl-NL" dirty="0"/>
+              <a:t>	First </a:t>
+            </a:r>
+            <a:r>
+              <a:rPr lang="nl-NL" dirty="0" err="1"/>
+              <a:t>Pong</a:t>
+            </a:r>
+            <a:r>
+              <a:rPr lang="nl-NL" dirty="0"/>
+              <a:t> </a:t>
+            </a:r>
+            <a:r>
+              <a:rPr lang="nl-NL" dirty="0" err="1"/>
+              <a:t>version</a:t>
+            </a:r>
+            <a:r>
+              <a:rPr lang="nl-NL" dirty="0"/>
+              <a:t>				</a:t>
+            </a:r>
+            <a:r>
+              <a:rPr lang="nl-NL" dirty="0" err="1"/>
+              <a:t>Our</a:t>
+            </a:r>
+            <a:r>
+              <a:rPr lang="nl-NL" dirty="0"/>
+              <a:t> </a:t>
+            </a:r>
+            <a:r>
+              <a:rPr lang="nl-NL" dirty="0" err="1"/>
+              <a:t>Pong</a:t>
+            </a:r>
+            <a:r>
+              <a:rPr lang="nl-NL" dirty="0"/>
+              <a:t> </a:t>
+            </a:r>
+            <a:r>
+              <a:rPr lang="nl-NL" dirty="0" err="1"/>
+              <a:t>version</a:t>
+            </a:r>
+            <a:endParaRPr lang="nl-NL" dirty="0"/>
+          </a:p>
+        </p:txBody>
+      </p:sp>
+      <p:pic>
+        <p:nvPicPr>
+          <p:cNvPr id="1026" name="Picture 2" descr="Afbeeldingsresultaat voor first pong">
+            <a:extLst>
+              <a:ext uri="{FF2B5EF4-FFF2-40B4-BE49-F238E27FC236}">
+                <a16:creationId xmlns:a16="http://schemas.microsoft.com/office/drawing/2014/main" id="{588B3429-5526-49A3-BB5B-D216973723D3}"/>
+              </a:ext>
+            </a:extLst>
+          </p:cNvPr>
+          <p:cNvPicPr>
+            <a:picLocks noChangeAspect="1" noChangeArrowheads="1"/>
+          </p:cNvPicPr>
+          <p:nvPr/>
+        </p:nvPicPr>
+        <p:blipFill>
+          <a:blip r:embed="rId2">
+            <a:extLst>
+              <a:ext uri="{28A0092B-C50C-407E-A947-70E740481C1C}">
+                <a14:useLocalDpi xmlns:a14="http://schemas.microsoft.com/office/drawing/2010/main" val="0"/>
+              </a:ext>
+            </a:extLst>
+          </a:blip>
+          <a:srcRect/>
+          <a:stretch>
+            <a:fillRect/>
+          </a:stretch>
+        </p:blipFill>
+        <p:spPr bwMode="auto">
+          <a:xfrm>
+            <a:off x="838200" y="3285817"/>
+            <a:ext cx="4680000" cy="3510000"/>
+          </a:xfrm>
+          <a:prstGeom prst="rect">
+            <a:avLst/>
+          </a:prstGeom>
+          <a:noFill/>
+          <a:extLst>
+            <a:ext uri="{909E8E84-426E-40DD-AFC4-6F175D3DCCD1}">
+              <a14:hiddenFill xmlns:a14="http://schemas.microsoft.com/office/drawing/2010/main">
+                <a:solidFill>
+                  <a:srgbClr val="FFFFFF"/>
+                </a:solidFill>
+              </a14:hiddenFill>
+            </a:ext>
+          </a:extLst>
+        </p:spPr>
+      </p:pic>
+      <p:pic>
+        <p:nvPicPr>
+          <p:cNvPr id="4" name="Afbeelding 3">
+            <a:extLst>
+              <a:ext uri="{FF2B5EF4-FFF2-40B4-BE49-F238E27FC236}">
+                <a16:creationId xmlns:a16="http://schemas.microsoft.com/office/drawing/2014/main" id="{55045857-A9AF-4ADE-B2A9-C5DCF4785855}"/>
+              </a:ext>
+            </a:extLst>
+          </p:cNvPr>
+          <p:cNvPicPr>
+            <a:picLocks noChangeAspect="1"/>
+          </p:cNvPicPr>
+          <p:nvPr/>
+        </p:nvPicPr>
+        <p:blipFill>
+          <a:blip r:embed="rId3"/>
+          <a:stretch>
+            <a:fillRect/>
+          </a:stretch>
+        </p:blipFill>
+        <p:spPr>
+          <a:xfrm>
+            <a:off x="6096000" y="3285818"/>
+            <a:ext cx="4680000" cy="3510000"/>
+          </a:xfrm>
+          <a:prstGeom prst="rect">
+            <a:avLst/>
+          </a:prstGeom>
+        </p:spPr>
+      </p:pic>
     </p:spTree>
     <p:extLst>
       <p:ext uri="{BB962C8B-B14F-4D97-AF65-F5344CB8AC3E}">
